--- a/course_material/git.pptx
+++ b/course_material/git.pptx
@@ -26,6 +26,7 @@
     <p:sldId id="271" r:id="rId21"/>
     <p:sldId id="272" r:id="rId22"/>
     <p:sldId id="273" r:id="rId23"/>
+    <p:sldId id="274" r:id="rId24"/>
   </p:sldIdLst>
   <p:sldSz cy="5143500" cx="9144000"/>
   <p:notesSz cx="6858000" cy="9144000"/>
@@ -805,7 +806,7 @@
   <p:cSld>
     <p:spTree>
       <p:nvGrpSpPr>
-        <p:cNvPr id="115" name="Shape 115"/>
+        <p:cNvPr id="117" name="Shape 117"/>
         <p:cNvGrpSpPr/>
         <p:nvPr/>
       </p:nvGrpSpPr>
@@ -819,7 +820,7 @@
       </p:grpSpPr>
       <p:sp>
         <p:nvSpPr>
-          <p:cNvPr id="116" name="Google Shape;116;g50329539cd_0_139:notes"/>
+          <p:cNvPr id="118" name="Google Shape;118;g50329539cd_0_139:notes"/>
           <p:cNvSpPr/>
           <p:nvPr>
             <p:ph idx="2" type="sldImg"/>
@@ -854,7 +855,7 @@
       </p:sp>
       <p:sp>
         <p:nvSpPr>
-          <p:cNvPr id="117" name="Google Shape;117;g50329539cd_0_139:notes"/>
+          <p:cNvPr id="119" name="Google Shape;119;g50329539cd_0_139:notes"/>
           <p:cNvSpPr txBox="1"/>
           <p:nvPr>
             <p:ph idx="1" type="body"/>
@@ -904,7 +905,7 @@
   <p:cSld>
     <p:spTree>
       <p:nvGrpSpPr>
-        <p:cNvPr id="120" name="Shape 120"/>
+        <p:cNvPr id="122" name="Shape 122"/>
         <p:cNvGrpSpPr/>
         <p:nvPr/>
       </p:nvGrpSpPr>
@@ -918,7 +919,7 @@
       </p:grpSpPr>
       <p:sp>
         <p:nvSpPr>
-          <p:cNvPr id="121" name="Google Shape;121;g50329539cd_0_135:notes"/>
+          <p:cNvPr id="123" name="Google Shape;123;g50329539cd_0_131:notes"/>
           <p:cNvSpPr/>
           <p:nvPr>
             <p:ph idx="2" type="sldImg"/>
@@ -953,7 +954,7 @@
       </p:sp>
       <p:sp>
         <p:nvSpPr>
-          <p:cNvPr id="122" name="Google Shape;122;g50329539cd_0_135:notes"/>
+          <p:cNvPr id="124" name="Google Shape;124;g50329539cd_0_131:notes"/>
           <p:cNvSpPr txBox="1"/>
           <p:nvPr>
             <p:ph idx="1" type="body"/>
@@ -1003,7 +1004,7 @@
   <p:cSld>
     <p:spTree>
       <p:nvGrpSpPr>
-        <p:cNvPr id="125" name="Shape 125"/>
+        <p:cNvPr id="127" name="Shape 127"/>
         <p:cNvGrpSpPr/>
         <p:nvPr/>
       </p:nvGrpSpPr>
@@ -1017,7 +1018,7 @@
       </p:grpSpPr>
       <p:sp>
         <p:nvSpPr>
-          <p:cNvPr id="126" name="Google Shape;126;g50329539cd_0_308:notes"/>
+          <p:cNvPr id="128" name="Google Shape;128;g50329539cd_0_135:notes"/>
           <p:cNvSpPr/>
           <p:nvPr>
             <p:ph idx="2" type="sldImg"/>
@@ -1052,7 +1053,7 @@
       </p:sp>
       <p:sp>
         <p:nvSpPr>
-          <p:cNvPr id="127" name="Google Shape;127;g50329539cd_0_308:notes"/>
+          <p:cNvPr id="129" name="Google Shape;129;g50329539cd_0_135:notes"/>
           <p:cNvSpPr txBox="1"/>
           <p:nvPr>
             <p:ph idx="1" type="body"/>
@@ -1102,7 +1103,7 @@
   <p:cSld>
     <p:spTree>
       <p:nvGrpSpPr>
-        <p:cNvPr id="130" name="Shape 130"/>
+        <p:cNvPr id="132" name="Shape 132"/>
         <p:cNvGrpSpPr/>
         <p:nvPr/>
       </p:nvGrpSpPr>
@@ -1116,7 +1117,7 @@
       </p:grpSpPr>
       <p:sp>
         <p:nvSpPr>
-          <p:cNvPr id="131" name="Google Shape;131;g50329539cd_0_312:notes"/>
+          <p:cNvPr id="133" name="Google Shape;133;g50329539cd_0_308:notes"/>
           <p:cNvSpPr/>
           <p:nvPr>
             <p:ph idx="2" type="sldImg"/>
@@ -1151,7 +1152,7 @@
       </p:sp>
       <p:sp>
         <p:nvSpPr>
-          <p:cNvPr id="132" name="Google Shape;132;g50329539cd_0_312:notes"/>
+          <p:cNvPr id="134" name="Google Shape;134;g50329539cd_0_308:notes"/>
           <p:cNvSpPr txBox="1"/>
           <p:nvPr>
             <p:ph idx="1" type="body"/>
@@ -1201,7 +1202,7 @@
   <p:cSld>
     <p:spTree>
       <p:nvGrpSpPr>
-        <p:cNvPr id="135" name="Shape 135"/>
+        <p:cNvPr id="137" name="Shape 137"/>
         <p:cNvGrpSpPr/>
         <p:nvPr/>
       </p:nvGrpSpPr>
@@ -1215,7 +1216,7 @@
       </p:grpSpPr>
       <p:sp>
         <p:nvSpPr>
-          <p:cNvPr id="136" name="Google Shape;136;g50329539cd_0_316:notes"/>
+          <p:cNvPr id="138" name="Google Shape;138;g50329539cd_0_312:notes"/>
           <p:cNvSpPr/>
           <p:nvPr>
             <p:ph idx="2" type="sldImg"/>
@@ -1250,7 +1251,7 @@
       </p:sp>
       <p:sp>
         <p:nvSpPr>
-          <p:cNvPr id="137" name="Google Shape;137;g50329539cd_0_316:notes"/>
+          <p:cNvPr id="139" name="Google Shape;139;g50329539cd_0_312:notes"/>
           <p:cNvSpPr txBox="1"/>
           <p:nvPr>
             <p:ph idx="1" type="body"/>
@@ -1300,7 +1301,7 @@
   <p:cSld>
     <p:spTree>
       <p:nvGrpSpPr>
-        <p:cNvPr id="140" name="Shape 140"/>
+        <p:cNvPr id="142" name="Shape 142"/>
         <p:cNvGrpSpPr/>
         <p:nvPr/>
       </p:nvGrpSpPr>
@@ -1314,7 +1315,7 @@
       </p:grpSpPr>
       <p:sp>
         <p:nvSpPr>
-          <p:cNvPr id="141" name="Google Shape;141;g50329539cd_0_320:notes"/>
+          <p:cNvPr id="143" name="Google Shape;143;g50329539cd_0_316:notes"/>
           <p:cNvSpPr/>
           <p:nvPr>
             <p:ph idx="2" type="sldImg"/>
@@ -1349,7 +1350,7 @@
       </p:sp>
       <p:sp>
         <p:nvSpPr>
-          <p:cNvPr id="142" name="Google Shape;142;g50329539cd_0_320:notes"/>
+          <p:cNvPr id="144" name="Google Shape;144;g50329539cd_0_316:notes"/>
           <p:cNvSpPr txBox="1"/>
           <p:nvPr>
             <p:ph idx="1" type="body"/>
@@ -1399,7 +1400,7 @@
   <p:cSld>
     <p:spTree>
       <p:nvGrpSpPr>
-        <p:cNvPr id="145" name="Shape 145"/>
+        <p:cNvPr id="147" name="Shape 147"/>
         <p:cNvGrpSpPr/>
         <p:nvPr/>
       </p:nvGrpSpPr>
@@ -1413,7 +1414,7 @@
       </p:grpSpPr>
       <p:sp>
         <p:nvSpPr>
-          <p:cNvPr id="146" name="Google Shape;146;g50329539cd_0_324:notes"/>
+          <p:cNvPr id="148" name="Google Shape;148;g50329539cd_0_320:notes"/>
           <p:cNvSpPr/>
           <p:nvPr>
             <p:ph idx="2" type="sldImg"/>
@@ -1448,7 +1449,7 @@
       </p:sp>
       <p:sp>
         <p:nvSpPr>
-          <p:cNvPr id="147" name="Google Shape;147;g50329539cd_0_324:notes"/>
+          <p:cNvPr id="149" name="Google Shape;149;g50329539cd_0_320:notes"/>
           <p:cNvSpPr txBox="1"/>
           <p:nvPr>
             <p:ph idx="1" type="body"/>
@@ -1498,7 +1499,7 @@
   <p:cSld>
     <p:spTree>
       <p:nvGrpSpPr>
-        <p:cNvPr id="151" name="Shape 151"/>
+        <p:cNvPr id="152" name="Shape 152"/>
         <p:cNvGrpSpPr/>
         <p:nvPr/>
       </p:nvGrpSpPr>
@@ -1512,7 +1513,7 @@
       </p:grpSpPr>
       <p:sp>
         <p:nvSpPr>
-          <p:cNvPr id="152" name="Google Shape;152;g50329539cd_0_334:notes"/>
+          <p:cNvPr id="153" name="Google Shape;153;g50329539cd_0_324:notes"/>
           <p:cNvSpPr/>
           <p:nvPr>
             <p:ph idx="2" type="sldImg"/>
@@ -1547,7 +1548,7 @@
       </p:sp>
       <p:sp>
         <p:nvSpPr>
-          <p:cNvPr id="153" name="Google Shape;153;g50329539cd_0_334:notes"/>
+          <p:cNvPr id="154" name="Google Shape;154;g50329539cd_0_324:notes"/>
           <p:cNvSpPr txBox="1"/>
           <p:nvPr>
             <p:ph idx="1" type="body"/>
@@ -1597,7 +1598,7 @@
   <p:cSld>
     <p:spTree>
       <p:nvGrpSpPr>
-        <p:cNvPr id="157" name="Shape 157"/>
+        <p:cNvPr id="158" name="Shape 158"/>
         <p:cNvGrpSpPr/>
         <p:nvPr/>
       </p:nvGrpSpPr>
@@ -1611,7 +1612,7 @@
       </p:grpSpPr>
       <p:sp>
         <p:nvSpPr>
-          <p:cNvPr id="158" name="Google Shape;158;g50329539cd_0_345:notes"/>
+          <p:cNvPr id="159" name="Google Shape;159;g50329539cd_0_334:notes"/>
           <p:cNvSpPr/>
           <p:nvPr>
             <p:ph idx="2" type="sldImg"/>
@@ -1646,7 +1647,7 @@
       </p:sp>
       <p:sp>
         <p:nvSpPr>
-          <p:cNvPr id="159" name="Google Shape;159;g50329539cd_0_345:notes"/>
+          <p:cNvPr id="160" name="Google Shape;160;g50329539cd_0_334:notes"/>
           <p:cNvSpPr txBox="1"/>
           <p:nvPr>
             <p:ph idx="1" type="body"/>
@@ -1691,12 +1692,12 @@
 </p:notes>
 </file>
 
-<file path=ppt/notesSlides/notesSlide2.xml><?xml version="1.0" encoding="utf-8"?>
+<file path=ppt/notesSlides/notesSlide19.xml><?xml version="1.0" encoding="utf-8"?>
 <p:notes xmlns:a="http://schemas.openxmlformats.org/drawingml/2006/main" xmlns:r="http://schemas.openxmlformats.org/officeDocument/2006/relationships" xmlns:mc="http://schemas.openxmlformats.org/markup-compatibility/2006" xmlns:mv="urn:schemas-microsoft-com:mac:vml" xmlns:p="http://schemas.openxmlformats.org/presentationml/2006/main" xmlns:c="http://schemas.openxmlformats.org/drawingml/2006/chart" xmlns:dgm="http://schemas.openxmlformats.org/drawingml/2006/diagram" xmlns:o="urn:schemas-microsoft-com:office:office" xmlns:v="urn:schemas-microsoft-com:vml" xmlns:pvml="urn:schemas-microsoft-com:office:powerpoint" xmlns:com="http://schemas.openxmlformats.org/drawingml/2006/compatibility" xmlns:p14="http://schemas.microsoft.com/office/powerpoint/2010/main" xmlns:p15="http://schemas.microsoft.com/office/powerpoint/2012/main" showMasterPhAnim="0" showMasterSp="0">
   <p:cSld>
     <p:spTree>
       <p:nvGrpSpPr>
-        <p:cNvPr id="55" name="Shape 55"/>
+        <p:cNvPr id="164" name="Shape 164"/>
         <p:cNvGrpSpPr/>
         <p:nvPr/>
       </p:nvGrpSpPr>
@@ -1710,7 +1711,7 @@
       </p:grpSpPr>
       <p:sp>
         <p:nvSpPr>
-          <p:cNvPr id="56" name="Google Shape;56;g50329539cd_0_143:notes"/>
+          <p:cNvPr id="165" name="Google Shape;165;g50329539cd_0_345:notes"/>
           <p:cNvSpPr/>
           <p:nvPr>
             <p:ph idx="2" type="sldImg"/>
@@ -1745,7 +1746,7 @@
       </p:sp>
       <p:sp>
         <p:nvSpPr>
-          <p:cNvPr id="57" name="Google Shape;57;g50329539cd_0_143:notes"/>
+          <p:cNvPr id="166" name="Google Shape;166;g50329539cd_0_345:notes"/>
           <p:cNvSpPr txBox="1"/>
           <p:nvPr>
             <p:ph idx="1" type="body"/>
@@ -1790,12 +1791,12 @@
 </p:notes>
 </file>
 
-<file path=ppt/notesSlides/notesSlide3.xml><?xml version="1.0" encoding="utf-8"?>
+<file path=ppt/notesSlides/notesSlide2.xml><?xml version="1.0" encoding="utf-8"?>
 <p:notes xmlns:a="http://schemas.openxmlformats.org/drawingml/2006/main" xmlns:r="http://schemas.openxmlformats.org/officeDocument/2006/relationships" xmlns:mc="http://schemas.openxmlformats.org/markup-compatibility/2006" xmlns:mv="urn:schemas-microsoft-com:mac:vml" xmlns:p="http://schemas.openxmlformats.org/presentationml/2006/main" xmlns:c="http://schemas.openxmlformats.org/drawingml/2006/chart" xmlns:dgm="http://schemas.openxmlformats.org/drawingml/2006/diagram" xmlns:o="urn:schemas-microsoft-com:office:office" xmlns:v="urn:schemas-microsoft-com:vml" xmlns:pvml="urn:schemas-microsoft-com:office:powerpoint" xmlns:com="http://schemas.openxmlformats.org/drawingml/2006/compatibility" xmlns:p14="http://schemas.microsoft.com/office/powerpoint/2010/main" xmlns:p15="http://schemas.microsoft.com/office/powerpoint/2012/main" showMasterPhAnim="0" showMasterSp="0">
   <p:cSld>
     <p:spTree>
       <p:nvGrpSpPr>
-        <p:cNvPr id="61" name="Shape 61"/>
+        <p:cNvPr id="56" name="Shape 56"/>
         <p:cNvGrpSpPr/>
         <p:nvPr/>
       </p:nvGrpSpPr>
@@ -1809,7 +1810,7 @@
       </p:grpSpPr>
       <p:sp>
         <p:nvSpPr>
-          <p:cNvPr id="62" name="Google Shape;62;g50329539cd_0_148:notes"/>
+          <p:cNvPr id="57" name="Google Shape;57;g50329539cd_0_143:notes"/>
           <p:cNvSpPr/>
           <p:nvPr>
             <p:ph idx="2" type="sldImg"/>
@@ -1844,7 +1845,7 @@
       </p:sp>
       <p:sp>
         <p:nvSpPr>
-          <p:cNvPr id="63" name="Google Shape;63;g50329539cd_0_148:notes"/>
+          <p:cNvPr id="58" name="Google Shape;58;g50329539cd_0_143:notes"/>
           <p:cNvSpPr txBox="1"/>
           <p:nvPr>
             <p:ph idx="1" type="body"/>
@@ -1889,12 +1890,12 @@
 </p:notes>
 </file>
 
-<file path=ppt/notesSlides/notesSlide4.xml><?xml version="1.0" encoding="utf-8"?>
+<file path=ppt/notesSlides/notesSlide3.xml><?xml version="1.0" encoding="utf-8"?>
 <p:notes xmlns:a="http://schemas.openxmlformats.org/drawingml/2006/main" xmlns:r="http://schemas.openxmlformats.org/officeDocument/2006/relationships" xmlns:mc="http://schemas.openxmlformats.org/markup-compatibility/2006" xmlns:mv="urn:schemas-microsoft-com:mac:vml" xmlns:p="http://schemas.openxmlformats.org/presentationml/2006/main" xmlns:c="http://schemas.openxmlformats.org/drawingml/2006/chart" xmlns:dgm="http://schemas.openxmlformats.org/drawingml/2006/diagram" xmlns:o="urn:schemas-microsoft-com:office:office" xmlns:v="urn:schemas-microsoft-com:vml" xmlns:pvml="urn:schemas-microsoft-com:office:powerpoint" xmlns:com="http://schemas.openxmlformats.org/drawingml/2006/compatibility" xmlns:p14="http://schemas.microsoft.com/office/powerpoint/2010/main" xmlns:p15="http://schemas.microsoft.com/office/powerpoint/2012/main" showMasterPhAnim="0" showMasterSp="0">
   <p:cSld>
     <p:spTree>
       <p:nvGrpSpPr>
-        <p:cNvPr id="66" name="Shape 66"/>
+        <p:cNvPr id="62" name="Shape 62"/>
         <p:cNvGrpSpPr/>
         <p:nvPr/>
       </p:nvGrpSpPr>
@@ -1908,7 +1909,7 @@
       </p:grpSpPr>
       <p:sp>
         <p:nvSpPr>
-          <p:cNvPr id="67" name="Google Shape;67;g50329539cd_0_157:notes"/>
+          <p:cNvPr id="63" name="Google Shape;63;g50329539cd_0_148:notes"/>
           <p:cNvSpPr/>
           <p:nvPr>
             <p:ph idx="2" type="sldImg"/>
@@ -1943,7 +1944,7 @@
       </p:sp>
       <p:sp>
         <p:nvSpPr>
-          <p:cNvPr id="68" name="Google Shape;68;g50329539cd_0_157:notes"/>
+          <p:cNvPr id="64" name="Google Shape;64;g50329539cd_0_148:notes"/>
           <p:cNvSpPr txBox="1"/>
           <p:nvPr>
             <p:ph idx="1" type="body"/>
@@ -1988,12 +1989,12 @@
 </p:notes>
 </file>
 
-<file path=ppt/notesSlides/notesSlide5.xml><?xml version="1.0" encoding="utf-8"?>
+<file path=ppt/notesSlides/notesSlide4.xml><?xml version="1.0" encoding="utf-8"?>
 <p:notes xmlns:a="http://schemas.openxmlformats.org/drawingml/2006/main" xmlns:r="http://schemas.openxmlformats.org/officeDocument/2006/relationships" xmlns:mc="http://schemas.openxmlformats.org/markup-compatibility/2006" xmlns:mv="urn:schemas-microsoft-com:mac:vml" xmlns:p="http://schemas.openxmlformats.org/presentationml/2006/main" xmlns:c="http://schemas.openxmlformats.org/drawingml/2006/chart" xmlns:dgm="http://schemas.openxmlformats.org/drawingml/2006/diagram" xmlns:o="urn:schemas-microsoft-com:office:office" xmlns:v="urn:schemas-microsoft-com:vml" xmlns:pvml="urn:schemas-microsoft-com:office:powerpoint" xmlns:com="http://schemas.openxmlformats.org/drawingml/2006/compatibility" xmlns:p14="http://schemas.microsoft.com/office/powerpoint/2010/main" xmlns:p15="http://schemas.microsoft.com/office/powerpoint/2012/main" showMasterPhAnim="0" showMasterSp="0">
   <p:cSld>
     <p:spTree>
       <p:nvGrpSpPr>
-        <p:cNvPr id="90" name="Shape 90"/>
+        <p:cNvPr id="67" name="Shape 67"/>
         <p:cNvGrpSpPr/>
         <p:nvPr/>
       </p:nvGrpSpPr>
@@ -2007,7 +2008,7 @@
       </p:grpSpPr>
       <p:sp>
         <p:nvSpPr>
-          <p:cNvPr id="91" name="Google Shape;91;g50329539cd_0_153:notes"/>
+          <p:cNvPr id="68" name="Google Shape;68;g50329539cd_0_157:notes"/>
           <p:cNvSpPr/>
           <p:nvPr>
             <p:ph idx="2" type="sldImg"/>
@@ -2042,7 +2043,7 @@
       </p:sp>
       <p:sp>
         <p:nvSpPr>
-          <p:cNvPr id="92" name="Google Shape;92;g50329539cd_0_153:notes"/>
+          <p:cNvPr id="69" name="Google Shape;69;g50329539cd_0_157:notes"/>
           <p:cNvSpPr txBox="1"/>
           <p:nvPr>
             <p:ph idx="1" type="body"/>
@@ -2087,12 +2088,12 @@
 </p:notes>
 </file>
 
-<file path=ppt/notesSlides/notesSlide6.xml><?xml version="1.0" encoding="utf-8"?>
+<file path=ppt/notesSlides/notesSlide5.xml><?xml version="1.0" encoding="utf-8"?>
 <p:notes xmlns:a="http://schemas.openxmlformats.org/drawingml/2006/main" xmlns:r="http://schemas.openxmlformats.org/officeDocument/2006/relationships" xmlns:mc="http://schemas.openxmlformats.org/markup-compatibility/2006" xmlns:mv="urn:schemas-microsoft-com:mac:vml" xmlns:p="http://schemas.openxmlformats.org/presentationml/2006/main" xmlns:c="http://schemas.openxmlformats.org/drawingml/2006/chart" xmlns:dgm="http://schemas.openxmlformats.org/drawingml/2006/diagram" xmlns:o="urn:schemas-microsoft-com:office:office" xmlns:v="urn:schemas-microsoft-com:vml" xmlns:pvml="urn:schemas-microsoft-com:office:powerpoint" xmlns:com="http://schemas.openxmlformats.org/drawingml/2006/compatibility" xmlns:p14="http://schemas.microsoft.com/office/powerpoint/2010/main" xmlns:p15="http://schemas.microsoft.com/office/powerpoint/2012/main" showMasterPhAnim="0" showMasterSp="0">
   <p:cSld>
     <p:spTree>
       <p:nvGrpSpPr>
-        <p:cNvPr id="95" name="Shape 95"/>
+        <p:cNvPr id="91" name="Shape 91"/>
         <p:cNvGrpSpPr/>
         <p:nvPr/>
       </p:nvGrpSpPr>
@@ -2106,7 +2107,7 @@
       </p:grpSpPr>
       <p:sp>
         <p:nvSpPr>
-          <p:cNvPr id="96" name="Google Shape;96;g50329539cd_0_328:notes"/>
+          <p:cNvPr id="92" name="Google Shape;92;g5235289d18_2_25:notes"/>
           <p:cNvSpPr/>
           <p:nvPr>
             <p:ph idx="2" type="sldImg"/>
@@ -2141,7 +2142,7 @@
       </p:sp>
       <p:sp>
         <p:nvSpPr>
-          <p:cNvPr id="97" name="Google Shape;97;g50329539cd_0_328:notes"/>
+          <p:cNvPr id="93" name="Google Shape;93;g5235289d18_2_25:notes"/>
           <p:cNvSpPr txBox="1"/>
           <p:nvPr>
             <p:ph idx="1" type="body"/>
@@ -2186,12 +2187,12 @@
 </p:notes>
 </file>
 
-<file path=ppt/notesSlides/notesSlide7.xml><?xml version="1.0" encoding="utf-8"?>
+<file path=ppt/notesSlides/notesSlide6.xml><?xml version="1.0" encoding="utf-8"?>
 <p:notes xmlns:a="http://schemas.openxmlformats.org/drawingml/2006/main" xmlns:r="http://schemas.openxmlformats.org/officeDocument/2006/relationships" xmlns:mc="http://schemas.openxmlformats.org/markup-compatibility/2006" xmlns:mv="urn:schemas-microsoft-com:mac:vml" xmlns:p="http://schemas.openxmlformats.org/presentationml/2006/main" xmlns:c="http://schemas.openxmlformats.org/drawingml/2006/chart" xmlns:dgm="http://schemas.openxmlformats.org/drawingml/2006/diagram" xmlns:o="urn:schemas-microsoft-com:office:office" xmlns:v="urn:schemas-microsoft-com:vml" xmlns:pvml="urn:schemas-microsoft-com:office:powerpoint" xmlns:com="http://schemas.openxmlformats.org/drawingml/2006/compatibility" xmlns:p14="http://schemas.microsoft.com/office/powerpoint/2010/main" xmlns:p15="http://schemas.microsoft.com/office/powerpoint/2012/main" showMasterPhAnim="0" showMasterSp="0">
   <p:cSld>
     <p:spTree>
       <p:nvGrpSpPr>
-        <p:cNvPr id="100" name="Shape 100"/>
+        <p:cNvPr id="96" name="Shape 96"/>
         <p:cNvGrpSpPr/>
         <p:nvPr/>
       </p:nvGrpSpPr>
@@ -2205,7 +2206,7 @@
       </p:grpSpPr>
       <p:sp>
         <p:nvSpPr>
-          <p:cNvPr id="101" name="Google Shape;101;g50329539cd_0_122:notes"/>
+          <p:cNvPr id="97" name="Google Shape;97;g5235289d18_2_29:notes"/>
           <p:cNvSpPr/>
           <p:nvPr>
             <p:ph idx="2" type="sldImg"/>
@@ -2240,7 +2241,7 @@
       </p:sp>
       <p:sp>
         <p:nvSpPr>
-          <p:cNvPr id="102" name="Google Shape;102;g50329539cd_0_122:notes"/>
+          <p:cNvPr id="98" name="Google Shape;98;g5235289d18_2_29:notes"/>
           <p:cNvSpPr txBox="1"/>
           <p:nvPr>
             <p:ph idx="1" type="body"/>
@@ -2285,12 +2286,12 @@
 </p:notes>
 </file>
 
-<file path=ppt/notesSlides/notesSlide8.xml><?xml version="1.0" encoding="utf-8"?>
+<file path=ppt/notesSlides/notesSlide7.xml><?xml version="1.0" encoding="utf-8"?>
 <p:notes xmlns:a="http://schemas.openxmlformats.org/drawingml/2006/main" xmlns:r="http://schemas.openxmlformats.org/officeDocument/2006/relationships" xmlns:mc="http://schemas.openxmlformats.org/markup-compatibility/2006" xmlns:mv="urn:schemas-microsoft-com:mac:vml" xmlns:p="http://schemas.openxmlformats.org/presentationml/2006/main" xmlns:c="http://schemas.openxmlformats.org/drawingml/2006/chart" xmlns:dgm="http://schemas.openxmlformats.org/drawingml/2006/diagram" xmlns:o="urn:schemas-microsoft-com:office:office" xmlns:v="urn:schemas-microsoft-com:vml" xmlns:pvml="urn:schemas-microsoft-com:office:powerpoint" xmlns:com="http://schemas.openxmlformats.org/drawingml/2006/compatibility" xmlns:p14="http://schemas.microsoft.com/office/powerpoint/2010/main" xmlns:p15="http://schemas.microsoft.com/office/powerpoint/2012/main" showMasterPhAnim="0" showMasterSp="0">
   <p:cSld>
     <p:spTree>
       <p:nvGrpSpPr>
-        <p:cNvPr id="105" name="Shape 105"/>
+        <p:cNvPr id="102" name="Shape 102"/>
         <p:cNvGrpSpPr/>
         <p:nvPr/>
       </p:nvGrpSpPr>
@@ -2304,7 +2305,7 @@
       </p:grpSpPr>
       <p:sp>
         <p:nvSpPr>
-          <p:cNvPr id="106" name="Google Shape;106;g50329539cd_0_127:notes"/>
+          <p:cNvPr id="103" name="Google Shape;103;g50329539cd_0_328:notes"/>
           <p:cNvSpPr/>
           <p:nvPr>
             <p:ph idx="2" type="sldImg"/>
@@ -2339,7 +2340,7 @@
       </p:sp>
       <p:sp>
         <p:nvSpPr>
-          <p:cNvPr id="107" name="Google Shape;107;g50329539cd_0_127:notes"/>
+          <p:cNvPr id="104" name="Google Shape;104;g50329539cd_0_328:notes"/>
           <p:cNvSpPr txBox="1"/>
           <p:nvPr>
             <p:ph idx="1" type="body"/>
@@ -2384,12 +2385,12 @@
 </p:notes>
 </file>
 
-<file path=ppt/notesSlides/notesSlide9.xml><?xml version="1.0" encoding="utf-8"?>
+<file path=ppt/notesSlides/notesSlide8.xml><?xml version="1.0" encoding="utf-8"?>
 <p:notes xmlns:a="http://schemas.openxmlformats.org/drawingml/2006/main" xmlns:r="http://schemas.openxmlformats.org/officeDocument/2006/relationships" xmlns:mc="http://schemas.openxmlformats.org/markup-compatibility/2006" xmlns:mv="urn:schemas-microsoft-com:mac:vml" xmlns:p="http://schemas.openxmlformats.org/presentationml/2006/main" xmlns:c="http://schemas.openxmlformats.org/drawingml/2006/chart" xmlns:dgm="http://schemas.openxmlformats.org/drawingml/2006/diagram" xmlns:o="urn:schemas-microsoft-com:office:office" xmlns:v="urn:schemas-microsoft-com:vml" xmlns:pvml="urn:schemas-microsoft-com:office:powerpoint" xmlns:com="http://schemas.openxmlformats.org/drawingml/2006/compatibility" xmlns:p14="http://schemas.microsoft.com/office/powerpoint/2010/main" xmlns:p15="http://schemas.microsoft.com/office/powerpoint/2012/main" showMasterPhAnim="0" showMasterSp="0">
   <p:cSld>
     <p:spTree>
       <p:nvGrpSpPr>
-        <p:cNvPr id="110" name="Shape 110"/>
+        <p:cNvPr id="107" name="Shape 107"/>
         <p:cNvGrpSpPr/>
         <p:nvPr/>
       </p:nvGrpSpPr>
@@ -2403,7 +2404,7 @@
       </p:grpSpPr>
       <p:sp>
         <p:nvSpPr>
-          <p:cNvPr id="111" name="Google Shape;111;g50329539cd_0_131:notes"/>
+          <p:cNvPr id="108" name="Google Shape;108;g50329539cd_0_122:notes"/>
           <p:cNvSpPr/>
           <p:nvPr>
             <p:ph idx="2" type="sldImg"/>
@@ -2438,7 +2439,106 @@
       </p:sp>
       <p:sp>
         <p:nvSpPr>
-          <p:cNvPr id="112" name="Google Shape;112;g50329539cd_0_131:notes"/>
+          <p:cNvPr id="109" name="Google Shape;109;g50329539cd_0_122:notes"/>
+          <p:cNvSpPr txBox="1"/>
+          <p:nvPr>
+            <p:ph idx="1" type="body"/>
+          </p:nvPr>
+        </p:nvSpPr>
+        <p:spPr>
+          <a:xfrm>
+            <a:off x="685800" y="4343400"/>
+            <a:ext cx="5486400" cy="4114800"/>
+          </a:xfrm>
+          <a:prstGeom prst="rect">
+            <a:avLst/>
+          </a:prstGeom>
+        </p:spPr>
+        <p:txBody>
+          <a:bodyPr anchorCtr="0" anchor="t" bIns="91425" lIns="91425" spcFirstLastPara="1" rIns="91425" wrap="square" tIns="91425">
+            <a:noAutofit/>
+          </a:bodyPr>
+          <a:lstStyle/>
+          <a:p>
+            <a:pPr indent="0" lvl="0" marL="0" rtl="0" algn="l">
+              <a:spcBef>
+                <a:spcPts val="0"/>
+              </a:spcBef>
+              <a:spcAft>
+                <a:spcPts val="0"/>
+              </a:spcAft>
+              <a:buNone/>
+            </a:pPr>
+            <a:r>
+              <a:t/>
+            </a:r>
+            <a:endParaRPr/>
+          </a:p>
+        </p:txBody>
+      </p:sp>
+    </p:spTree>
+  </p:cSld>
+  <p:clrMapOvr>
+    <a:masterClrMapping/>
+  </p:clrMapOvr>
+</p:notes>
+</file>
+
+<file path=ppt/notesSlides/notesSlide9.xml><?xml version="1.0" encoding="utf-8"?>
+<p:notes xmlns:a="http://schemas.openxmlformats.org/drawingml/2006/main" xmlns:r="http://schemas.openxmlformats.org/officeDocument/2006/relationships" xmlns:mc="http://schemas.openxmlformats.org/markup-compatibility/2006" xmlns:mv="urn:schemas-microsoft-com:mac:vml" xmlns:p="http://schemas.openxmlformats.org/presentationml/2006/main" xmlns:c="http://schemas.openxmlformats.org/drawingml/2006/chart" xmlns:dgm="http://schemas.openxmlformats.org/drawingml/2006/diagram" xmlns:o="urn:schemas-microsoft-com:office:office" xmlns:v="urn:schemas-microsoft-com:vml" xmlns:pvml="urn:schemas-microsoft-com:office:powerpoint" xmlns:com="http://schemas.openxmlformats.org/drawingml/2006/compatibility" xmlns:p14="http://schemas.microsoft.com/office/powerpoint/2010/main" xmlns:p15="http://schemas.microsoft.com/office/powerpoint/2012/main" showMasterPhAnim="0" showMasterSp="0">
+  <p:cSld>
+    <p:spTree>
+      <p:nvGrpSpPr>
+        <p:cNvPr id="112" name="Shape 112"/>
+        <p:cNvGrpSpPr/>
+        <p:nvPr/>
+      </p:nvGrpSpPr>
+      <p:grpSpPr>
+        <a:xfrm>
+          <a:off x="0" y="0"/>
+          <a:ext cx="0" cy="0"/>
+          <a:chOff x="0" y="0"/>
+          <a:chExt cx="0" cy="0"/>
+        </a:xfrm>
+      </p:grpSpPr>
+      <p:sp>
+        <p:nvSpPr>
+          <p:cNvPr id="113" name="Google Shape;113;g50329539cd_0_127:notes"/>
+          <p:cNvSpPr/>
+          <p:nvPr>
+            <p:ph idx="2" type="sldImg"/>
+          </p:nvPr>
+        </p:nvSpPr>
+        <p:spPr>
+          <a:xfrm>
+            <a:off x="381300" y="685800"/>
+            <a:ext cx="6096000" cy="3429000"/>
+          </a:xfrm>
+          <a:custGeom>
+            <a:rect b="b" l="l" r="r" t="t"/>
+            <a:pathLst>
+              <a:path extrusionOk="0" h="120000" w="120000">
+                <a:moveTo>
+                  <a:pt x="0" y="0"/>
+                </a:moveTo>
+                <a:lnTo>
+                  <a:pt x="120000" y="0"/>
+                </a:lnTo>
+                <a:lnTo>
+                  <a:pt x="120000" y="120000"/>
+                </a:lnTo>
+                <a:lnTo>
+                  <a:pt x="0" y="120000"/>
+                </a:lnTo>
+                <a:close/>
+              </a:path>
+            </a:pathLst>
+          </a:custGeom>
+        </p:spPr>
+      </p:sp>
+      <p:sp>
+        <p:nvSpPr>
+          <p:cNvPr id="114" name="Google Shape;114;g50329539cd_0_127:notes"/>
           <p:cNvSpPr txBox="1"/>
           <p:nvPr>
             <p:ph idx="1" type="body"/>
@@ -7119,7 +7219,7 @@
         </p:nvSpPr>
         <p:spPr>
           <a:xfrm>
-            <a:off x="311708" y="744575"/>
+            <a:off x="311708" y="287375"/>
             <a:ext cx="8520600" cy="2052600"/>
           </a:xfrm>
           <a:prstGeom prst="rect">
@@ -7149,6 +7249,34 @@
           </a:p>
         </p:txBody>
       </p:sp>
+      <p:pic>
+        <p:nvPicPr>
+          <p:cNvPr id="55" name="Google Shape;55;p13"/>
+          <p:cNvPicPr preferRelativeResize="0"/>
+          <p:nvPr/>
+        </p:nvPicPr>
+        <p:blipFill>
+          <a:blip r:embed="rId3">
+            <a:alphaModFix/>
+          </a:blip>
+          <a:stretch>
+            <a:fillRect/>
+          </a:stretch>
+        </p:blipFill>
+        <p:spPr>
+          <a:xfrm>
+            <a:off x="3442700" y="2584250"/>
+            <a:ext cx="2106189" cy="2041525"/>
+          </a:xfrm>
+          <a:prstGeom prst="rect">
+            <a:avLst/>
+          </a:prstGeom>
+          <a:noFill/>
+          <a:ln>
+            <a:noFill/>
+          </a:ln>
+        </p:spPr>
+      </p:pic>
     </p:spTree>
   </p:cSld>
   <p:clrMapOvr>
@@ -7162,7 +7290,7 @@
   <p:cSld>
     <p:spTree>
       <p:nvGrpSpPr>
-        <p:cNvPr id="118" name="Shape 118"/>
+        <p:cNvPr id="120" name="Shape 120"/>
         <p:cNvGrpSpPr/>
         <p:nvPr/>
       </p:nvGrpSpPr>
@@ -7176,7 +7304,7 @@
       </p:grpSpPr>
       <p:sp>
         <p:nvSpPr>
-          <p:cNvPr id="119" name="Google Shape;119;p22"/>
+          <p:cNvPr id="121" name="Google Shape;121;p22"/>
           <p:cNvSpPr txBox="1"/>
           <p:nvPr>
             <p:ph type="ctrTitle"/>
@@ -7208,7 +7336,7 @@
             </a:pPr>
             <a:r>
               <a:rPr lang="en" sz="4000"/>
-              <a:t>Make a new branch! </a:t>
+              <a:t>Fork the repo!</a:t>
             </a:r>
             <a:endParaRPr sz="4000"/>
           </a:p>
@@ -7224,11 +7352,7 @@
             </a:pPr>
             <a:r>
               <a:rPr lang="en" sz="3000"/>
-              <a:t>g</a:t>
-            </a:r>
-            <a:r>
-              <a:rPr lang="en" sz="3000"/>
-              <a:t>it checkout -b name-branch</a:t>
+              <a:t>Click “Fork” on the top right-hand side of the page.</a:t>
             </a:r>
             <a:endParaRPr sz="3000"/>
           </a:p>
@@ -7262,7 +7386,7 @@
   <p:cSld>
     <p:spTree>
       <p:nvGrpSpPr>
-        <p:cNvPr id="123" name="Shape 123"/>
+        <p:cNvPr id="125" name="Shape 125"/>
         <p:cNvGrpSpPr/>
         <p:nvPr/>
       </p:nvGrpSpPr>
@@ -7276,7 +7400,7 @@
       </p:grpSpPr>
       <p:sp>
         <p:nvSpPr>
-          <p:cNvPr id="124" name="Google Shape;124;p23"/>
+          <p:cNvPr id="126" name="Google Shape;126;p23"/>
           <p:cNvSpPr txBox="1"/>
           <p:nvPr>
             <p:ph type="ctrTitle"/>
@@ -7284,7 +7408,7 @@
         </p:nvSpPr>
         <p:spPr>
           <a:xfrm>
-            <a:off x="311708" y="744575"/>
+            <a:off x="311708" y="1049375"/>
             <a:ext cx="8520600" cy="2052600"/>
           </a:xfrm>
           <a:prstGeom prst="rect">
@@ -7307,24 +7431,28 @@
               <a:buNone/>
             </a:pPr>
             <a:r>
+              <a:rPr lang="en" sz="4000"/>
+              <a:t>Clone the fork in your terminal.</a:t>
+            </a:r>
+            <a:endParaRPr sz="4000"/>
+          </a:p>
+          <a:p>
+            <a:pPr indent="0" lvl="0" marL="0" rtl="0" algn="ctr">
+              <a:spcBef>
+                <a:spcPts val="0"/>
+              </a:spcBef>
+              <a:spcAft>
+                <a:spcPts val="0"/>
+              </a:spcAft>
+              <a:buNone/>
+            </a:pPr>
+            <a:r>
               <a:rPr lang="en" sz="3000"/>
-              <a:t>Open the directory that you just cloned. </a:t>
-            </a:r>
-            <a:endParaRPr sz="3000"/>
-          </a:p>
-          <a:p>
-            <a:pPr indent="0" lvl="0" marL="0" rtl="0" algn="ctr">
-              <a:spcBef>
-                <a:spcPts val="0"/>
-              </a:spcBef>
-              <a:spcAft>
-                <a:spcPts val="0"/>
-              </a:spcAft>
-              <a:buNone/>
-            </a:pPr>
+              <a:t>g</a:t>
+            </a:r>
             <a:r>
               <a:rPr lang="en" sz="3000"/>
-              <a:t>Inside you will find the test! </a:t>
+              <a:t>it clone &lt;https link&gt; </a:t>
             </a:r>
             <a:endParaRPr sz="3000"/>
           </a:p>
@@ -7343,7 +7471,7 @@
   <p:cSld>
     <p:spTree>
       <p:nvGrpSpPr>
-        <p:cNvPr id="128" name="Shape 128"/>
+        <p:cNvPr id="130" name="Shape 130"/>
         <p:cNvGrpSpPr/>
         <p:nvPr/>
       </p:nvGrpSpPr>
@@ -7357,7 +7485,7 @@
       </p:grpSpPr>
       <p:sp>
         <p:nvSpPr>
-          <p:cNvPr id="129" name="Google Shape;129;p24"/>
+          <p:cNvPr id="131" name="Google Shape;131;p24"/>
           <p:cNvSpPr txBox="1"/>
           <p:nvPr>
             <p:ph type="ctrTitle"/>
@@ -7365,7 +7493,7 @@
         </p:nvSpPr>
         <p:spPr>
           <a:xfrm>
-            <a:off x="311708" y="2497175"/>
+            <a:off x="311708" y="744575"/>
             <a:ext cx="8520600" cy="2052600"/>
           </a:xfrm>
           <a:prstGeom prst="rect">
@@ -7388,10 +7516,10 @@
               <a:buNone/>
             </a:pPr>
             <a:r>
-              <a:rPr lang="en" sz="4000"/>
-              <a:t>Copy the test folder and rename it to “answers_yourname”</a:t>
-            </a:r>
-            <a:endParaRPr sz="4000"/>
+              <a:rPr lang="en" sz="3000"/>
+              <a:t>Open the directory that you just cloned. </a:t>
+            </a:r>
+            <a:endParaRPr sz="3000"/>
           </a:p>
           <a:p>
             <a:pPr indent="0" lvl="0" marL="0" rtl="0" algn="ctr">
@@ -7404,43 +7532,8 @@
               <a:buNone/>
             </a:pPr>
             <a:r>
-              <a:t/>
-            </a:r>
-            <a:endParaRPr sz="4000"/>
-          </a:p>
-          <a:p>
-            <a:pPr indent="0" lvl="0" marL="0" rtl="0" algn="ctr">
-              <a:spcBef>
-                <a:spcPts val="0"/>
-              </a:spcBef>
-              <a:spcAft>
-                <a:spcPts val="0"/>
-              </a:spcAft>
-              <a:buNone/>
-            </a:pPr>
-            <a:r>
-              <a:rPr b="1" lang="en" sz="4000"/>
-              <a:t>PLEASE</a:t>
-            </a:r>
-            <a:r>
-              <a:rPr lang="en" sz="4000"/>
-              <a:t> work from this new folder “answers_yourname”.</a:t>
-            </a:r>
-            <a:endParaRPr sz="4000"/>
-          </a:p>
-          <a:p>
-            <a:pPr indent="0" lvl="0" marL="0" rtl="0" algn="ctr">
-              <a:spcBef>
-                <a:spcPts val="0"/>
-              </a:spcBef>
-              <a:spcAft>
-                <a:spcPts val="0"/>
-              </a:spcAft>
-              <a:buNone/>
-            </a:pPr>
-            <a:r>
               <a:rPr lang="en" sz="3000"/>
-              <a:t>Eg. “answers_fran”</a:t>
+              <a:t>Inside you will find the test! </a:t>
             </a:r>
             <a:endParaRPr sz="3000"/>
           </a:p>
@@ -7459,7 +7552,7 @@
   <p:cSld>
     <p:spTree>
       <p:nvGrpSpPr>
-        <p:cNvPr id="133" name="Shape 133"/>
+        <p:cNvPr id="135" name="Shape 135"/>
         <p:cNvGrpSpPr/>
         <p:nvPr/>
       </p:nvGrpSpPr>
@@ -7473,7 +7566,7 @@
       </p:grpSpPr>
       <p:sp>
         <p:nvSpPr>
-          <p:cNvPr id="134" name="Google Shape;134;p25"/>
+          <p:cNvPr id="136" name="Google Shape;136;p25"/>
           <p:cNvSpPr txBox="1"/>
           <p:nvPr>
             <p:ph type="ctrTitle"/>
@@ -7481,7 +7574,7 @@
         </p:nvSpPr>
         <p:spPr>
           <a:xfrm>
-            <a:off x="392183" y="1779175"/>
+            <a:off x="311708" y="2039975"/>
             <a:ext cx="8520600" cy="2052600"/>
           </a:xfrm>
           <a:prstGeom prst="rect">
@@ -7494,7 +7587,7 @@
           </a:bodyPr>
           <a:lstStyle/>
           <a:p>
-            <a:pPr indent="0" lvl="0" marL="0" rtl="0" algn="l">
+            <a:pPr indent="0" lvl="0" marL="0" rtl="0" algn="ctr">
               <a:spcBef>
                 <a:spcPts val="0"/>
               </a:spcBef>
@@ -7504,10 +7597,10 @@
               <a:buNone/>
             </a:pPr>
             <a:r>
-              <a:rPr lang="en" sz="3500"/>
-              <a:t>When you’re finished with your test, go to the command line and add your folder named “answers_yournamme”</a:t>
-            </a:r>
-            <a:endParaRPr sz="3500"/>
+              <a:rPr lang="en" sz="3000"/>
+              <a:t>Copy the test folder and rename it to “answers_yourname”</a:t>
+            </a:r>
+            <a:endParaRPr sz="3000"/>
           </a:p>
           <a:p>
             <a:pPr indent="0" lvl="0" marL="0" rtl="0" algn="ctr">
@@ -7520,9 +7613,33 @@
               <a:buNone/>
             </a:pPr>
             <a:r>
+              <a:rPr b="1" lang="en" sz="3000"/>
+              <a:t>c</a:t>
+            </a:r>
+            <a:r>
+              <a:rPr b="1" lang="en" sz="3000"/>
+              <a:t>p -r test </a:t>
+            </a:r>
+            <a:r>
+              <a:rPr b="1" i="1" lang="en" sz="3000"/>
+              <a:t>answers_yourname</a:t>
+            </a:r>
+            <a:endParaRPr b="1" i="1" sz="3000"/>
+          </a:p>
+          <a:p>
+            <a:pPr indent="0" lvl="0" marL="0" rtl="0" algn="ctr">
+              <a:spcBef>
+                <a:spcPts val="0"/>
+              </a:spcBef>
+              <a:spcAft>
+                <a:spcPts val="0"/>
+              </a:spcAft>
+              <a:buNone/>
+            </a:pPr>
+            <a:r>
               <a:t/>
             </a:r>
-            <a:endParaRPr sz="4000"/>
+            <a:endParaRPr sz="3000"/>
           </a:p>
           <a:p>
             <a:pPr indent="0" lvl="0" marL="0" rtl="0" algn="ctr">
@@ -7535,27 +7652,28 @@
               <a:buNone/>
             </a:pPr>
             <a:r>
+              <a:rPr b="1" lang="en" sz="3000"/>
+              <a:t>PLEASE</a:t>
+            </a:r>
+            <a:r>
               <a:rPr lang="en" sz="3000"/>
-              <a:t>g</a:t>
-            </a:r>
+              <a:t> work from this new folder “answers_yourname”.</a:t>
+            </a:r>
+            <a:endParaRPr sz="3000"/>
+          </a:p>
+          <a:p>
+            <a:pPr indent="0" lvl="0" marL="0" rtl="0" algn="ctr">
+              <a:spcBef>
+                <a:spcPts val="0"/>
+              </a:spcBef>
+              <a:spcAft>
+                <a:spcPts val="0"/>
+              </a:spcAft>
+              <a:buNone/>
+            </a:pPr>
             <a:r>
               <a:rPr lang="en" sz="3000"/>
-              <a:t>it add answers_yourname</a:t>
-            </a:r>
-            <a:endParaRPr sz="3000"/>
-          </a:p>
-          <a:p>
-            <a:pPr indent="0" lvl="0" marL="0" rtl="0" algn="ctr">
-              <a:spcBef>
-                <a:spcPts val="0"/>
-              </a:spcBef>
-              <a:spcAft>
-                <a:spcPts val="0"/>
-              </a:spcAft>
-              <a:buNone/>
-            </a:pPr>
-            <a:r>
-              <a:t/>
+              <a:t>E.g. “answers_fran”</a:t>
             </a:r>
             <a:endParaRPr sz="3000"/>
           </a:p>
@@ -7574,7 +7692,7 @@
   <p:cSld>
     <p:spTree>
       <p:nvGrpSpPr>
-        <p:cNvPr id="138" name="Shape 138"/>
+        <p:cNvPr id="140" name="Shape 140"/>
         <p:cNvGrpSpPr/>
         <p:nvPr/>
       </p:nvGrpSpPr>
@@ -7588,7 +7706,7 @@
       </p:grpSpPr>
       <p:sp>
         <p:nvSpPr>
-          <p:cNvPr id="139" name="Google Shape;139;p26"/>
+          <p:cNvPr id="141" name="Google Shape;141;p26"/>
           <p:cNvSpPr txBox="1"/>
           <p:nvPr>
             <p:ph type="ctrTitle"/>
@@ -7596,8 +7714,8 @@
         </p:nvSpPr>
         <p:spPr>
           <a:xfrm>
-            <a:off x="392183" y="1626775"/>
-            <a:ext cx="8520600" cy="2052600"/>
+            <a:off x="620776" y="1779175"/>
+            <a:ext cx="7679400" cy="2052600"/>
           </a:xfrm>
           <a:prstGeom prst="rect">
             <a:avLst/>
@@ -7619,10 +7737,10 @@
               <a:buNone/>
             </a:pPr>
             <a:r>
-              <a:rPr lang="en" sz="3500"/>
-              <a:t>Then, commit your folder. </a:t>
-            </a:r>
-            <a:endParaRPr sz="3500"/>
+              <a:rPr lang="en" sz="3000"/>
+              <a:t>When you’re finished with your test, go to the command line and add your folder named “answers_yourname”</a:t>
+            </a:r>
+            <a:endParaRPr sz="3000"/>
           </a:p>
           <a:p>
             <a:pPr indent="0" lvl="0" marL="0" rtl="0" algn="ctr">
@@ -7651,7 +7769,11 @@
             </a:pPr>
             <a:r>
               <a:rPr lang="en" sz="3000"/>
-              <a:t>git commit -m “test answers -fran”</a:t>
+              <a:t>g</a:t>
+            </a:r>
+            <a:r>
+              <a:rPr lang="en" sz="3000"/>
+              <a:t>it add answers_yourname</a:t>
             </a:r>
             <a:endParaRPr sz="3000"/>
           </a:p>
@@ -7685,7 +7807,7 @@
   <p:cSld>
     <p:spTree>
       <p:nvGrpSpPr>
-        <p:cNvPr id="143" name="Shape 143"/>
+        <p:cNvPr id="145" name="Shape 145"/>
         <p:cNvGrpSpPr/>
         <p:nvPr/>
       </p:nvGrpSpPr>
@@ -7699,7 +7821,7 @@
       </p:grpSpPr>
       <p:sp>
         <p:nvSpPr>
-          <p:cNvPr id="144" name="Google Shape;144;p27"/>
+          <p:cNvPr id="146" name="Google Shape;146;p27"/>
           <p:cNvSpPr txBox="1"/>
           <p:nvPr>
             <p:ph type="ctrTitle"/>
@@ -7707,7 +7829,7 @@
         </p:nvSpPr>
         <p:spPr>
           <a:xfrm>
-            <a:off x="392183" y="1702975"/>
+            <a:off x="392183" y="1626775"/>
             <a:ext cx="8520600" cy="2052600"/>
           </a:xfrm>
           <a:prstGeom prst="rect">
@@ -7731,7 +7853,7 @@
             </a:pPr>
             <a:r>
               <a:rPr lang="en" sz="3500"/>
-              <a:t>Then, push your folder. </a:t>
+              <a:t>Then, commit your folder. </a:t>
             </a:r>
             <a:endParaRPr sz="3500"/>
           </a:p>
@@ -7762,27 +7884,7 @@
             </a:pPr>
             <a:r>
               <a:rPr lang="en" sz="3000"/>
-              <a:t>git push</a:t>
-            </a:r>
-            <a:endParaRPr sz="3000"/>
-          </a:p>
-          <a:p>
-            <a:pPr indent="0" lvl="0" marL="0" rtl="0" algn="ctr">
-              <a:spcBef>
-                <a:spcPts val="0"/>
-              </a:spcBef>
-              <a:spcAft>
-                <a:spcPts val="0"/>
-              </a:spcAft>
-              <a:buNone/>
-            </a:pPr>
-            <a:r>
-              <a:rPr lang="en" sz="3000"/>
-              <a:t>g</a:t>
-            </a:r>
-            <a:r>
-              <a:rPr lang="en" sz="3000"/>
-              <a:t>it push  --set-upstream origin branch-name</a:t>
+              <a:t>git commit -m “test answers -fran”</a:t>
             </a:r>
             <a:endParaRPr sz="3000"/>
           </a:p>
@@ -7816,7 +7918,7 @@
   <p:cSld>
     <p:spTree>
       <p:nvGrpSpPr>
-        <p:cNvPr id="148" name="Shape 148"/>
+        <p:cNvPr id="150" name="Shape 150"/>
         <p:cNvGrpSpPr/>
         <p:nvPr/>
       </p:nvGrpSpPr>
@@ -7830,7 +7932,7 @@
       </p:grpSpPr>
       <p:sp>
         <p:nvSpPr>
-          <p:cNvPr id="149" name="Google Shape;149;p28"/>
+          <p:cNvPr id="151" name="Google Shape;151;p28"/>
           <p:cNvSpPr txBox="1"/>
           <p:nvPr>
             <p:ph type="ctrTitle"/>
@@ -7838,8 +7940,8 @@
         </p:nvSpPr>
         <p:spPr>
           <a:xfrm>
-            <a:off x="392175" y="64375"/>
-            <a:ext cx="8520600" cy="1252800"/>
+            <a:off x="392183" y="1474375"/>
+            <a:ext cx="8520600" cy="2052600"/>
           </a:xfrm>
           <a:prstGeom prst="rect">
             <a:avLst/>
@@ -7851,6 +7953,22 @@
           </a:bodyPr>
           <a:lstStyle/>
           <a:p>
+            <a:pPr indent="0" lvl="0" marL="0" rtl="0" algn="l">
+              <a:spcBef>
+                <a:spcPts val="0"/>
+              </a:spcBef>
+              <a:spcAft>
+                <a:spcPts val="0"/>
+              </a:spcAft>
+              <a:buNone/>
+            </a:pPr>
+            <a:r>
+              <a:rPr lang="en" sz="3500"/>
+              <a:t>Then, push your folder. </a:t>
+            </a:r>
+            <a:endParaRPr sz="3500"/>
+          </a:p>
+          <a:p>
             <a:pPr indent="0" lvl="0" marL="0" rtl="0" algn="ctr">
               <a:spcBef>
                 <a:spcPts val="0"/>
@@ -7861,8 +7979,23 @@
               <a:buNone/>
             </a:pPr>
             <a:r>
+              <a:t/>
+            </a:r>
+            <a:endParaRPr sz="4000"/>
+          </a:p>
+          <a:p>
+            <a:pPr indent="0" lvl="0" marL="0" rtl="0" algn="ctr">
+              <a:spcBef>
+                <a:spcPts val="0"/>
+              </a:spcBef>
+              <a:spcAft>
+                <a:spcPts val="0"/>
+              </a:spcAft>
+              <a:buNone/>
+            </a:pPr>
+            <a:r>
               <a:rPr lang="en" sz="3000"/>
-              <a:t>Then, go to github to make a pull request.</a:t>
+              <a:t>git push</a:t>
             </a:r>
             <a:endParaRPr sz="3000"/>
           </a:p>
@@ -7877,41 +8010,12 @@
               <a:buNone/>
             </a:pPr>
             <a:r>
-              <a:rPr lang="en" sz="3000"/>
-              <a:t>Find the repo, and go to your branch.</a:t>
+              <a:t/>
             </a:r>
             <a:endParaRPr sz="3000"/>
           </a:p>
         </p:txBody>
       </p:sp>
-      <p:pic>
-        <p:nvPicPr>
-          <p:cNvPr id="150" name="Google Shape;150;p28"/>
-          <p:cNvPicPr preferRelativeResize="0"/>
-          <p:nvPr/>
-        </p:nvPicPr>
-        <p:blipFill>
-          <a:blip r:embed="rId3">
-            <a:alphaModFix/>
-          </a:blip>
-          <a:stretch>
-            <a:fillRect/>
-          </a:stretch>
-        </p:blipFill>
-        <p:spPr>
-          <a:xfrm>
-            <a:off x="163575" y="1317175"/>
-            <a:ext cx="8891993" cy="3673925"/>
-          </a:xfrm>
-          <a:prstGeom prst="rect">
-            <a:avLst/>
-          </a:prstGeom>
-          <a:noFill/>
-          <a:ln>
-            <a:noFill/>
-          </a:ln>
-        </p:spPr>
-      </p:pic>
     </p:spTree>
   </p:cSld>
   <p:clrMapOvr>
@@ -7925,7 +8029,7 @@
   <p:cSld>
     <p:spTree>
       <p:nvGrpSpPr>
-        <p:cNvPr id="154" name="Shape 154"/>
+        <p:cNvPr id="155" name="Shape 155"/>
         <p:cNvGrpSpPr/>
         <p:nvPr/>
       </p:nvGrpSpPr>
@@ -7937,9 +8041,95 @@
           <a:chExt cx="0" cy="0"/>
         </a:xfrm>
       </p:grpSpPr>
+      <p:sp>
+        <p:nvSpPr>
+          <p:cNvPr id="156" name="Google Shape;156;p29"/>
+          <p:cNvSpPr txBox="1"/>
+          <p:nvPr>
+            <p:ph type="ctrTitle"/>
+          </p:nvPr>
+        </p:nvSpPr>
+        <p:spPr>
+          <a:xfrm>
+            <a:off x="392175" y="1740775"/>
+            <a:ext cx="8520600" cy="1252800"/>
+          </a:xfrm>
+          <a:prstGeom prst="rect">
+            <a:avLst/>
+          </a:prstGeom>
+        </p:spPr>
+        <p:txBody>
+          <a:bodyPr anchorCtr="0" anchor="b" bIns="91425" lIns="91425" spcFirstLastPara="1" rIns="91425" wrap="square" tIns="91425">
+            <a:noAutofit/>
+          </a:bodyPr>
+          <a:lstStyle/>
+          <a:p>
+            <a:pPr indent="0" lvl="0" marL="0" rtl="0" algn="ctr">
+              <a:spcBef>
+                <a:spcPts val="0"/>
+              </a:spcBef>
+              <a:spcAft>
+                <a:spcPts val="0"/>
+              </a:spcAft>
+              <a:buNone/>
+            </a:pPr>
+            <a:r>
+              <a:rPr lang="en" sz="3000"/>
+              <a:t>Then, go to github, find the original repo and click “New pull request”.</a:t>
+            </a:r>
+            <a:endParaRPr sz="3000"/>
+          </a:p>
+          <a:p>
+            <a:pPr indent="0" lvl="0" marL="0" rtl="0" algn="ctr">
+              <a:spcBef>
+                <a:spcPts val="0"/>
+              </a:spcBef>
+              <a:spcAft>
+                <a:spcPts val="0"/>
+              </a:spcAft>
+              <a:buNone/>
+            </a:pPr>
+            <a:r>
+              <a:rPr lang="en" sz="3000"/>
+              <a:t>Then click “compare across forks”</a:t>
+            </a:r>
+            <a:endParaRPr sz="3000"/>
+          </a:p>
+          <a:p>
+            <a:pPr indent="0" lvl="0" marL="0" rtl="0" algn="ctr">
+              <a:spcBef>
+                <a:spcPts val="0"/>
+              </a:spcBef>
+              <a:spcAft>
+                <a:spcPts val="0"/>
+              </a:spcAft>
+              <a:buNone/>
+            </a:pPr>
+            <a:r>
+              <a:t/>
+            </a:r>
+            <a:endParaRPr sz="3000"/>
+          </a:p>
+          <a:p>
+            <a:pPr indent="0" lvl="0" marL="0" rtl="0" algn="ctr">
+              <a:spcBef>
+                <a:spcPts val="0"/>
+              </a:spcBef>
+              <a:spcAft>
+                <a:spcPts val="0"/>
+              </a:spcAft>
+              <a:buNone/>
+            </a:pPr>
+            <a:r>
+              <a:t/>
+            </a:r>
+            <a:endParaRPr sz="3000"/>
+          </a:p>
+        </p:txBody>
+      </p:sp>
       <p:pic>
         <p:nvPicPr>
-          <p:cNvPr id="155" name="Google Shape;155;p29"/>
+          <p:cNvPr id="157" name="Google Shape;157;p29"/>
           <p:cNvPicPr preferRelativeResize="0"/>
           <p:nvPr/>
         </p:nvPicPr>
@@ -7953,36 +8143,8 @@
         </p:blipFill>
         <p:spPr>
           <a:xfrm>
-            <a:off x="1066800" y="2079175"/>
-            <a:ext cx="7047702" cy="2911925"/>
-          </a:xfrm>
-          <a:prstGeom prst="rect">
-            <a:avLst/>
-          </a:prstGeom>
-          <a:noFill/>
-          <a:ln>
-            <a:noFill/>
-          </a:ln>
-        </p:spPr>
-      </p:pic>
-      <p:pic>
-        <p:nvPicPr>
-          <p:cNvPr id="156" name="Google Shape;156;p29"/>
-          <p:cNvPicPr preferRelativeResize="0"/>
-          <p:nvPr/>
-        </p:nvPicPr>
-        <p:blipFill>
-          <a:blip r:embed="rId4">
-            <a:alphaModFix/>
-          </a:blip>
-          <a:stretch>
-            <a:fillRect/>
-          </a:stretch>
-        </p:blipFill>
-        <p:spPr>
-          <a:xfrm>
-            <a:off x="-1500" y="321892"/>
-            <a:ext cx="9143999" cy="4499715"/>
+            <a:off x="152400" y="2764975"/>
+            <a:ext cx="8839200" cy="2047999"/>
           </a:xfrm>
           <a:prstGeom prst="rect">
             <a:avLst/>
@@ -8006,7 +8168,7 @@
   <p:cSld>
     <p:spTree>
       <p:nvGrpSpPr>
-        <p:cNvPr id="160" name="Shape 160"/>
+        <p:cNvPr id="161" name="Shape 161"/>
         <p:cNvGrpSpPr/>
         <p:nvPr/>
       </p:nvGrpSpPr>
@@ -8018,9 +8180,135 @@
           <a:chExt cx="0" cy="0"/>
         </a:xfrm>
       </p:grpSpPr>
-      <p:sp>
-        <p:nvSpPr>
-          <p:cNvPr id="161" name="Google Shape;161;p30"/>
+      <p:pic>
+        <p:nvPicPr>
+          <p:cNvPr id="162" name="Google Shape;162;p30"/>
+          <p:cNvPicPr preferRelativeResize="0"/>
+          <p:nvPr/>
+        </p:nvPicPr>
+        <p:blipFill>
+          <a:blip r:embed="rId3">
+            <a:alphaModFix/>
+          </a:blip>
+          <a:stretch>
+            <a:fillRect/>
+          </a:stretch>
+        </p:blipFill>
+        <p:spPr>
+          <a:xfrm>
+            <a:off x="2952425" y="356350"/>
+            <a:ext cx="6073926" cy="4426626"/>
+          </a:xfrm>
+          <a:prstGeom prst="rect">
+            <a:avLst/>
+          </a:prstGeom>
+          <a:noFill/>
+          <a:ln>
+            <a:noFill/>
+          </a:ln>
+        </p:spPr>
+      </p:pic>
+      <p:sp>
+        <p:nvSpPr>
+          <p:cNvPr id="163" name="Google Shape;163;p30"/>
+          <p:cNvSpPr txBox="1"/>
+          <p:nvPr/>
+        </p:nvSpPr>
+        <p:spPr>
+          <a:xfrm>
+            <a:off x="164725" y="595025"/>
+            <a:ext cx="2763300" cy="3045900"/>
+          </a:xfrm>
+          <a:prstGeom prst="rect">
+            <a:avLst/>
+          </a:prstGeom>
+          <a:noFill/>
+          <a:ln>
+            <a:noFill/>
+          </a:ln>
+        </p:spPr>
+        <p:txBody>
+          <a:bodyPr anchorCtr="0" anchor="t" bIns="91425" lIns="91425" spcFirstLastPara="1" rIns="91425" wrap="square" tIns="91425">
+            <a:noAutofit/>
+          </a:bodyPr>
+          <a:lstStyle/>
+          <a:p>
+            <a:pPr indent="0" lvl="0" marL="0" rtl="0" algn="l">
+              <a:spcBef>
+                <a:spcPts val="0"/>
+              </a:spcBef>
+              <a:spcAft>
+                <a:spcPts val="0"/>
+              </a:spcAft>
+              <a:buNone/>
+            </a:pPr>
+            <a:r>
+              <a:rPr lang="en" sz="2500"/>
+              <a:t>Make sure that you are comparing the original repo and your fork. </a:t>
+            </a:r>
+            <a:endParaRPr sz="2500"/>
+          </a:p>
+          <a:p>
+            <a:pPr indent="0" lvl="0" marL="0" rtl="0" algn="l">
+              <a:spcBef>
+                <a:spcPts val="0"/>
+              </a:spcBef>
+              <a:spcAft>
+                <a:spcPts val="0"/>
+              </a:spcAft>
+              <a:buNone/>
+            </a:pPr>
+            <a:r>
+              <a:t/>
+            </a:r>
+            <a:endParaRPr sz="2500"/>
+          </a:p>
+          <a:p>
+            <a:pPr indent="0" lvl="0" marL="0" rtl="0" algn="l">
+              <a:spcBef>
+                <a:spcPts val="0"/>
+              </a:spcBef>
+              <a:spcAft>
+                <a:spcPts val="0"/>
+              </a:spcAft>
+              <a:buNone/>
+            </a:pPr>
+            <a:r>
+              <a:rPr lang="en" sz="2500"/>
+              <a:t>Then press create pull request.</a:t>
+            </a:r>
+            <a:endParaRPr sz="2500"/>
+          </a:p>
+        </p:txBody>
+      </p:sp>
+    </p:spTree>
+  </p:cSld>
+  <p:clrMapOvr>
+    <a:masterClrMapping/>
+  </p:clrMapOvr>
+</p:sld>
+</file>
+
+<file path=ppt/slides/slide19.xml><?xml version="1.0" encoding="utf-8"?>
+<p:sld xmlns:a="http://schemas.openxmlformats.org/drawingml/2006/main" xmlns:r="http://schemas.openxmlformats.org/officeDocument/2006/relationships" xmlns:mc="http://schemas.openxmlformats.org/markup-compatibility/2006" xmlns:mv="urn:schemas-microsoft-com:mac:vml" xmlns:p="http://schemas.openxmlformats.org/presentationml/2006/main" xmlns:c="http://schemas.openxmlformats.org/drawingml/2006/chart" xmlns:dgm="http://schemas.openxmlformats.org/drawingml/2006/diagram" xmlns:o="urn:schemas-microsoft-com:office:office" xmlns:v="urn:schemas-microsoft-com:vml" xmlns:pvml="urn:schemas-microsoft-com:office:powerpoint" xmlns:com="http://schemas.openxmlformats.org/drawingml/2006/compatibility" xmlns:p14="http://schemas.microsoft.com/office/powerpoint/2010/main" xmlns:p15="http://schemas.microsoft.com/office/powerpoint/2012/main">
+  <p:cSld>
+    <p:spTree>
+      <p:nvGrpSpPr>
+        <p:cNvPr id="167" name="Shape 167"/>
+        <p:cNvGrpSpPr/>
+        <p:nvPr/>
+      </p:nvGrpSpPr>
+      <p:grpSpPr>
+        <a:xfrm>
+          <a:off x="0" y="0"/>
+          <a:ext cx="0" cy="0"/>
+          <a:chOff x="0" y="0"/>
+          <a:chExt cx="0" cy="0"/>
+        </a:xfrm>
+      </p:grpSpPr>
+      <p:sp>
+        <p:nvSpPr>
+          <p:cNvPr id="168" name="Google Shape;168;p31"/>
           <p:cNvSpPr txBox="1"/>
           <p:nvPr>
             <p:ph type="ctrTitle"/>
@@ -8095,7 +8383,7 @@
   <p:cSld>
     <p:spTree>
       <p:nvGrpSpPr>
-        <p:cNvPr id="58" name="Shape 58"/>
+        <p:cNvPr id="59" name="Shape 59"/>
         <p:cNvGrpSpPr/>
         <p:nvPr/>
       </p:nvGrpSpPr>
@@ -8109,7 +8397,7 @@
       </p:grpSpPr>
       <p:sp>
         <p:nvSpPr>
-          <p:cNvPr id="59" name="Google Shape;59;p14"/>
+          <p:cNvPr id="60" name="Google Shape;60;p14"/>
           <p:cNvSpPr txBox="1"/>
           <p:nvPr>
             <p:ph type="ctrTitle"/>
@@ -8149,7 +8437,7 @@
       </p:sp>
       <p:sp>
         <p:nvSpPr>
-          <p:cNvPr id="60" name="Google Shape;60;p14"/>
+          <p:cNvPr id="61" name="Google Shape;61;p14"/>
           <p:cNvSpPr txBox="1"/>
           <p:nvPr>
             <p:ph idx="1" type="subTitle"/>
@@ -8204,7 +8492,7 @@
   <p:cSld>
     <p:spTree>
       <p:nvGrpSpPr>
-        <p:cNvPr id="64" name="Shape 64"/>
+        <p:cNvPr id="65" name="Shape 65"/>
         <p:cNvGrpSpPr/>
         <p:nvPr/>
       </p:nvGrpSpPr>
@@ -8218,7 +8506,7 @@
       </p:grpSpPr>
       <p:sp>
         <p:nvSpPr>
-          <p:cNvPr id="65" name="Google Shape;65;p15"/>
+          <p:cNvPr id="66" name="Google Shape;66;p15"/>
           <p:cNvSpPr txBox="1"/>
           <p:nvPr>
             <p:ph type="ctrTitle"/>
@@ -8296,7 +8584,7 @@
             </a:pPr>
             <a:r>
               <a:rPr lang="en" sz="3000"/>
-              <a:t>In git, we have a master branch, where our main code is going to go. </a:t>
+              <a:t>In git, we have a master branch, where our main code is stored. </a:t>
             </a:r>
             <a:endParaRPr sz="3000"/>
           </a:p>
@@ -8327,7 +8615,7 @@
             </a:pPr>
             <a:r>
               <a:rPr lang="en" sz="3000"/>
-              <a:t>If we are working in a big company, it doesn’t make sense for all developers to work on the master at the same time. It will cause a lot of confusion and conflicts. So, we use branches!</a:t>
+              <a:t>Branches are used so that you can work on small features, bug fixes or experiments, in complete isolation, without affecting other branches.</a:t>
             </a:r>
             <a:endParaRPr sz="3000"/>
           </a:p>
@@ -8346,7 +8634,7 @@
   <p:cSld>
     <p:spTree>
       <p:nvGrpSpPr>
-        <p:cNvPr id="69" name="Shape 69"/>
+        <p:cNvPr id="70" name="Shape 70"/>
         <p:cNvGrpSpPr/>
         <p:nvPr/>
       </p:nvGrpSpPr>
@@ -8360,7 +8648,7 @@
       </p:grpSpPr>
       <p:sp>
         <p:nvSpPr>
-          <p:cNvPr id="70" name="Google Shape;70;p16"/>
+          <p:cNvPr id="71" name="Google Shape;71;p16"/>
           <p:cNvSpPr/>
           <p:nvPr/>
         </p:nvSpPr>
@@ -8409,7 +8697,7 @@
       </p:sp>
       <p:sp>
         <p:nvSpPr>
-          <p:cNvPr id="71" name="Google Shape;71;p16"/>
+          <p:cNvPr id="72" name="Google Shape;72;p16"/>
           <p:cNvSpPr/>
           <p:nvPr/>
         </p:nvSpPr>
@@ -8458,7 +8746,7 @@
       </p:sp>
       <p:sp>
         <p:nvSpPr>
-          <p:cNvPr id="72" name="Google Shape;72;p16"/>
+          <p:cNvPr id="73" name="Google Shape;73;p16"/>
           <p:cNvSpPr/>
           <p:nvPr/>
         </p:nvSpPr>
@@ -8507,7 +8795,7 @@
       </p:sp>
       <p:sp>
         <p:nvSpPr>
-          <p:cNvPr id="73" name="Google Shape;73;p16"/>
+          <p:cNvPr id="74" name="Google Shape;74;p16"/>
           <p:cNvSpPr/>
           <p:nvPr/>
         </p:nvSpPr>
@@ -8556,7 +8844,7 @@
       </p:sp>
       <p:sp>
         <p:nvSpPr>
-          <p:cNvPr id="74" name="Google Shape;74;p16"/>
+          <p:cNvPr id="75" name="Google Shape;75;p16"/>
           <p:cNvSpPr txBox="1"/>
           <p:nvPr/>
         </p:nvSpPr>
@@ -8598,7 +8886,7 @@
       </p:sp>
       <p:sp>
         <p:nvSpPr>
-          <p:cNvPr id="75" name="Google Shape;75;p16"/>
+          <p:cNvPr id="76" name="Google Shape;76;p16"/>
           <p:cNvSpPr txBox="1"/>
           <p:nvPr/>
         </p:nvSpPr>
@@ -8640,7 +8928,7 @@
       </p:sp>
       <p:sp>
         <p:nvSpPr>
-          <p:cNvPr id="76" name="Google Shape;76;p16"/>
+          <p:cNvPr id="77" name="Google Shape;77;p16"/>
           <p:cNvSpPr txBox="1"/>
           <p:nvPr/>
         </p:nvSpPr>
@@ -8682,7 +8970,7 @@
       </p:sp>
       <p:sp>
         <p:nvSpPr>
-          <p:cNvPr id="77" name="Google Shape;77;p16"/>
+          <p:cNvPr id="78" name="Google Shape;78;p16"/>
           <p:cNvSpPr txBox="1"/>
           <p:nvPr/>
         </p:nvSpPr>
@@ -8724,7 +9012,7 @@
       </p:sp>
       <p:sp>
         <p:nvSpPr>
-          <p:cNvPr id="78" name="Google Shape;78;p16"/>
+          <p:cNvPr id="79" name="Google Shape;79;p16"/>
           <p:cNvSpPr/>
           <p:nvPr/>
         </p:nvSpPr>
@@ -8773,7 +9061,7 @@
       </p:sp>
       <p:sp>
         <p:nvSpPr>
-          <p:cNvPr id="79" name="Google Shape;79;p16"/>
+          <p:cNvPr id="80" name="Google Shape;80;p16"/>
           <p:cNvSpPr txBox="1"/>
           <p:nvPr/>
         </p:nvSpPr>
@@ -8815,7 +9103,7 @@
       </p:sp>
       <p:sp>
         <p:nvSpPr>
-          <p:cNvPr id="80" name="Google Shape;80;p16"/>
+          <p:cNvPr id="81" name="Google Shape;81;p16"/>
           <p:cNvSpPr/>
           <p:nvPr/>
         </p:nvSpPr>
@@ -8864,7 +9152,7 @@
       </p:sp>
       <p:sp>
         <p:nvSpPr>
-          <p:cNvPr id="81" name="Google Shape;81;p16"/>
+          <p:cNvPr id="82" name="Google Shape;82;p16"/>
           <p:cNvSpPr txBox="1"/>
           <p:nvPr/>
         </p:nvSpPr>
@@ -8906,7 +9194,7 @@
       </p:sp>
       <p:sp>
         <p:nvSpPr>
-          <p:cNvPr id="82" name="Google Shape;82;p16"/>
+          <p:cNvPr id="83" name="Google Shape;83;p16"/>
           <p:cNvSpPr/>
           <p:nvPr/>
         </p:nvSpPr>
@@ -8958,7 +9246,7 @@
       </p:sp>
       <p:sp>
         <p:nvSpPr>
-          <p:cNvPr id="83" name="Google Shape;83;p16"/>
+          <p:cNvPr id="84" name="Google Shape;84;p16"/>
           <p:cNvSpPr/>
           <p:nvPr/>
         </p:nvSpPr>
@@ -9010,7 +9298,7 @@
       </p:sp>
       <p:sp>
         <p:nvSpPr>
-          <p:cNvPr id="84" name="Google Shape;84;p16"/>
+          <p:cNvPr id="85" name="Google Shape;85;p16"/>
           <p:cNvSpPr/>
           <p:nvPr/>
         </p:nvSpPr>
@@ -9062,7 +9350,7 @@
       </p:sp>
       <p:sp>
         <p:nvSpPr>
-          <p:cNvPr id="85" name="Google Shape;85;p16"/>
+          <p:cNvPr id="86" name="Google Shape;86;p16"/>
           <p:cNvSpPr/>
           <p:nvPr/>
         </p:nvSpPr>
@@ -9114,7 +9402,7 @@
       </p:sp>
       <p:sp>
         <p:nvSpPr>
-          <p:cNvPr id="86" name="Google Shape;86;p16"/>
+          <p:cNvPr id="87" name="Google Shape;87;p16"/>
           <p:cNvSpPr/>
           <p:nvPr/>
         </p:nvSpPr>
@@ -9166,7 +9454,7 @@
       </p:sp>
       <p:sp>
         <p:nvSpPr>
-          <p:cNvPr id="87" name="Google Shape;87;p16"/>
+          <p:cNvPr id="88" name="Google Shape;88;p16"/>
           <p:cNvSpPr/>
           <p:nvPr/>
         </p:nvSpPr>
@@ -9218,7 +9506,7 @@
       </p:sp>
       <p:sp>
         <p:nvSpPr>
-          <p:cNvPr id="88" name="Google Shape;88;p16"/>
+          <p:cNvPr id="89" name="Google Shape;89;p16"/>
           <p:cNvSpPr txBox="1"/>
           <p:nvPr/>
         </p:nvSpPr>
@@ -9260,7 +9548,7 @@
       </p:sp>
       <p:sp>
         <p:nvSpPr>
-          <p:cNvPr id="89" name="Google Shape;89;p16"/>
+          <p:cNvPr id="90" name="Google Shape;90;p16"/>
           <p:cNvSpPr txBox="1"/>
           <p:nvPr/>
         </p:nvSpPr>
@@ -9313,7 +9601,7 @@
   <p:cSld>
     <p:spTree>
       <p:nvGrpSpPr>
-        <p:cNvPr id="93" name="Shape 93"/>
+        <p:cNvPr id="94" name="Shape 94"/>
         <p:cNvGrpSpPr/>
         <p:nvPr/>
       </p:nvGrpSpPr>
@@ -9325,77 +9613,34 @@
           <a:chExt cx="0" cy="0"/>
         </a:xfrm>
       </p:grpSpPr>
-      <p:sp>
-        <p:nvSpPr>
-          <p:cNvPr id="94" name="Google Shape;94;p17"/>
-          <p:cNvSpPr txBox="1"/>
-          <p:nvPr>
-            <p:ph type="ctrTitle"/>
-          </p:nvPr>
-        </p:nvSpPr>
-        <p:spPr>
-          <a:xfrm>
-            <a:off x="464100" y="1663350"/>
-            <a:ext cx="8409900" cy="2429100"/>
+      <p:pic>
+        <p:nvPicPr>
+          <p:cNvPr id="95" name="Google Shape;95;p17"/>
+          <p:cNvPicPr preferRelativeResize="0"/>
+          <p:nvPr/>
+        </p:nvPicPr>
+        <p:blipFill>
+          <a:blip r:embed="rId3">
+            <a:alphaModFix/>
+          </a:blip>
+          <a:stretch>
+            <a:fillRect/>
+          </a:stretch>
+        </p:blipFill>
+        <p:spPr>
+          <a:xfrm>
+            <a:off x="685800" y="152400"/>
+            <a:ext cx="7912937" cy="4838700"/>
           </a:xfrm>
           <a:prstGeom prst="rect">
             <a:avLst/>
           </a:prstGeom>
-        </p:spPr>
-        <p:txBody>
-          <a:bodyPr anchorCtr="0" anchor="b" bIns="91425" lIns="91425" spcFirstLastPara="1" rIns="91425" wrap="square" tIns="91425">
-            <a:noAutofit/>
-          </a:bodyPr>
-          <a:lstStyle/>
-          <a:p>
-            <a:pPr indent="0" lvl="0" marL="0" rtl="0" algn="l">
-              <a:spcBef>
-                <a:spcPts val="0"/>
-              </a:spcBef>
-              <a:spcAft>
-                <a:spcPts val="0"/>
-              </a:spcAft>
-              <a:buNone/>
-            </a:pPr>
-            <a:r>
-              <a:rPr lang="en" sz="3000"/>
-              <a:t>Branches allow us to work on smaller features which will then be merged with the master branch.</a:t>
-            </a:r>
-            <a:endParaRPr sz="3000"/>
-          </a:p>
-          <a:p>
-            <a:pPr indent="0" lvl="0" marL="0" rtl="0" algn="l">
-              <a:spcBef>
-                <a:spcPts val="0"/>
-              </a:spcBef>
-              <a:spcAft>
-                <a:spcPts val="0"/>
-              </a:spcAft>
-              <a:buNone/>
-            </a:pPr>
-            <a:r>
-              <a:t/>
-            </a:r>
-            <a:endParaRPr sz="3000"/>
-          </a:p>
-          <a:p>
-            <a:pPr indent="0" lvl="0" marL="0" rtl="0" algn="l">
-              <a:spcBef>
-                <a:spcPts val="0"/>
-              </a:spcBef>
-              <a:spcAft>
-                <a:spcPts val="0"/>
-              </a:spcAft>
-              <a:buNone/>
-            </a:pPr>
-            <a:r>
-              <a:rPr lang="en" sz="3000"/>
-              <a:t>This lets developers work without affecting the master.</a:t>
-            </a:r>
-            <a:endParaRPr sz="3000"/>
-          </a:p>
-        </p:txBody>
-      </p:sp>
+          <a:noFill/>
+          <a:ln>
+            <a:noFill/>
+          </a:ln>
+        </p:spPr>
+      </p:pic>
     </p:spTree>
   </p:cSld>
   <p:clrMapOvr>
@@ -9409,7 +9654,7 @@
   <p:cSld>
     <p:spTree>
       <p:nvGrpSpPr>
-        <p:cNvPr id="98" name="Shape 98"/>
+        <p:cNvPr id="99" name="Shape 99"/>
         <p:cNvGrpSpPr/>
         <p:nvPr/>
       </p:nvGrpSpPr>
@@ -9423,7 +9668,7 @@
       </p:grpSpPr>
       <p:sp>
         <p:nvSpPr>
-          <p:cNvPr id="99" name="Google Shape;99;p18"/>
+          <p:cNvPr id="100" name="Google Shape;100;p18"/>
           <p:cNvSpPr txBox="1"/>
           <p:nvPr>
             <p:ph type="ctrTitle"/>
@@ -9431,7 +9676,7 @@
         </p:nvSpPr>
         <p:spPr>
           <a:xfrm>
-            <a:off x="464100" y="1053750"/>
+            <a:off x="464100" y="2120550"/>
             <a:ext cx="8409900" cy="2429100"/>
           </a:xfrm>
           <a:prstGeom prst="rect">
@@ -9454,13 +9699,122 @@
               <a:buNone/>
             </a:pPr>
             <a:r>
-              <a:rPr lang="en" sz="3000"/>
-              <a:t>In order to merge, we sometimes make a pull request. A pull request asks for the changes to be pulled into the master branch. We can make a pull request on github.</a:t>
+              <a:t/>
             </a:r>
             <a:endParaRPr sz="3000"/>
           </a:p>
+          <a:p>
+            <a:pPr indent="0" lvl="0" marL="0" rtl="0" algn="l">
+              <a:spcBef>
+                <a:spcPts val="0"/>
+              </a:spcBef>
+              <a:spcAft>
+                <a:spcPts val="0"/>
+              </a:spcAft>
+              <a:buNone/>
+            </a:pPr>
+            <a:r>
+              <a:rPr b="1" lang="en" sz="3000"/>
+              <a:t>Forks</a:t>
+            </a:r>
+            <a:br>
+              <a:rPr b="1" lang="en" sz="3000"/>
+            </a:br>
+            <a:endParaRPr b="1" sz="3000"/>
+          </a:p>
+          <a:p>
+            <a:pPr indent="0" lvl="0" marL="0" rtl="0" algn="l">
+              <a:spcBef>
+                <a:spcPts val="0"/>
+              </a:spcBef>
+              <a:spcAft>
+                <a:spcPts val="0"/>
+              </a:spcAft>
+              <a:buNone/>
+            </a:pPr>
+            <a:r>
+              <a:rPr lang="en" sz="2500"/>
+              <a:t>A fork is a copy of a repository. It allows you to make changes and experiment without affecting the original repository. </a:t>
+            </a:r>
+            <a:endParaRPr sz="2500"/>
+          </a:p>
+          <a:p>
+            <a:pPr indent="0" lvl="0" marL="0" rtl="0" algn="l">
+              <a:spcBef>
+                <a:spcPts val="0"/>
+              </a:spcBef>
+              <a:spcAft>
+                <a:spcPts val="0"/>
+              </a:spcAft>
+              <a:buNone/>
+            </a:pPr>
+            <a:r>
+              <a:t/>
+            </a:r>
+            <a:endParaRPr sz="2500"/>
+          </a:p>
+          <a:p>
+            <a:pPr indent="0" lvl="0" marL="0" rtl="0" algn="l">
+              <a:spcBef>
+                <a:spcPts val="0"/>
+              </a:spcBef>
+              <a:spcAft>
+                <a:spcPts val="0"/>
+              </a:spcAft>
+              <a:buNone/>
+            </a:pPr>
+            <a:r>
+              <a:rPr lang="en" sz="2500"/>
+              <a:t>Forking can be used to make changes when you do not have access to collaborate on the original repository.</a:t>
+            </a:r>
+            <a:endParaRPr sz="2500"/>
+          </a:p>
+          <a:p>
+            <a:pPr indent="0" lvl="0" marL="0" rtl="0" algn="l">
+              <a:spcBef>
+                <a:spcPts val="0"/>
+              </a:spcBef>
+              <a:spcAft>
+                <a:spcPts val="0"/>
+              </a:spcAft>
+              <a:buNone/>
+            </a:pPr>
+            <a:r>
+              <a:rPr lang="en" sz="2500"/>
+              <a:t>Your changes can then be submitted to the original repository via a pull request.</a:t>
+            </a:r>
+            <a:endParaRPr sz="2500"/>
+          </a:p>
         </p:txBody>
       </p:sp>
+      <p:pic>
+        <p:nvPicPr>
+          <p:cNvPr id="101" name="Google Shape;101;p18"/>
+          <p:cNvPicPr preferRelativeResize="0"/>
+          <p:nvPr/>
+        </p:nvPicPr>
+        <p:blipFill>
+          <a:blip r:embed="rId3">
+            <a:alphaModFix/>
+          </a:blip>
+          <a:stretch>
+            <a:fillRect/>
+          </a:stretch>
+        </p:blipFill>
+        <p:spPr>
+          <a:xfrm>
+            <a:off x="1537450" y="161350"/>
+            <a:ext cx="1211775" cy="1211775"/>
+          </a:xfrm>
+          <a:prstGeom prst="rect">
+            <a:avLst/>
+          </a:prstGeom>
+          <a:noFill/>
+          <a:ln>
+            <a:noFill/>
+          </a:ln>
+        </p:spPr>
+      </p:pic>
     </p:spTree>
   </p:cSld>
   <p:clrMapOvr>
@@ -9474,7 +9828,7 @@
   <p:cSld>
     <p:spTree>
       <p:nvGrpSpPr>
-        <p:cNvPr id="103" name="Shape 103"/>
+        <p:cNvPr id="105" name="Shape 105"/>
         <p:cNvGrpSpPr/>
         <p:nvPr/>
       </p:nvGrpSpPr>
@@ -9488,7 +9842,7 @@
       </p:grpSpPr>
       <p:sp>
         <p:nvSpPr>
-          <p:cNvPr id="104" name="Google Shape;104;p19"/>
+          <p:cNvPr id="106" name="Google Shape;106;p19"/>
           <p:cNvSpPr txBox="1"/>
           <p:nvPr>
             <p:ph type="ctrTitle"/>
@@ -9496,8 +9850,8 @@
         </p:nvSpPr>
         <p:spPr>
           <a:xfrm>
-            <a:off x="311708" y="744575"/>
-            <a:ext cx="8520600" cy="2052600"/>
+            <a:off x="464100" y="2349150"/>
+            <a:ext cx="8409900" cy="2429100"/>
           </a:xfrm>
           <a:prstGeom prst="rect">
             <a:avLst/>
@@ -9509,7 +9863,7 @@
           </a:bodyPr>
           <a:lstStyle/>
           <a:p>
-            <a:pPr indent="0" lvl="0" marL="0" rtl="0" algn="ctr">
+            <a:pPr indent="0" lvl="0" marL="0" rtl="0" algn="l">
               <a:spcBef>
                 <a:spcPts val="0"/>
               </a:spcBef>
@@ -9519,10 +9873,207 @@
               <a:buNone/>
             </a:pPr>
             <a:r>
-              <a:rPr lang="en" u="sng"/>
-              <a:t>Instructions for test</a:t>
-            </a:r>
-            <a:endParaRPr u="sng"/>
+              <a:rPr b="1" lang="en" sz="2500">
+                <a:solidFill>
+                  <a:srgbClr val="000000"/>
+                </a:solidFill>
+              </a:rPr>
+              <a:t>Pull Requests</a:t>
+            </a:r>
+            <a:br>
+              <a:rPr b="1" lang="en" sz="2500">
+                <a:solidFill>
+                  <a:srgbClr val="000000"/>
+                </a:solidFill>
+              </a:rPr>
+            </a:br>
+            <a:endParaRPr b="1" sz="2500">
+              <a:solidFill>
+                <a:srgbClr val="000000"/>
+              </a:solidFill>
+            </a:endParaRPr>
+          </a:p>
+          <a:p>
+            <a:pPr indent="0" lvl="0" marL="0" rtl="0" algn="l">
+              <a:spcBef>
+                <a:spcPts val="0"/>
+              </a:spcBef>
+              <a:spcAft>
+                <a:spcPts val="0"/>
+              </a:spcAft>
+              <a:buNone/>
+            </a:pPr>
+            <a:r>
+              <a:rPr lang="en" sz="2500">
+                <a:solidFill>
+                  <a:srgbClr val="000000"/>
+                </a:solidFill>
+              </a:rPr>
+              <a:t>In order to merge, we sometimes make a pull request. </a:t>
+            </a:r>
+            <a:r>
+              <a:rPr lang="en" sz="2500">
+                <a:solidFill>
+                  <a:srgbClr val="000000"/>
+                </a:solidFill>
+                <a:highlight>
+                  <a:srgbClr val="FFFFFF"/>
+                </a:highlight>
+              </a:rPr>
+              <a:t> </a:t>
+            </a:r>
+            <a:r>
+              <a:rPr b="1" lang="en" sz="2500">
+                <a:solidFill>
+                  <a:srgbClr val="000000"/>
+                </a:solidFill>
+                <a:highlight>
+                  <a:srgbClr val="FFFFFF"/>
+                </a:highlight>
+              </a:rPr>
+              <a:t>Pull requests</a:t>
+            </a:r>
+            <a:r>
+              <a:rPr lang="en" sz="2500">
+                <a:solidFill>
+                  <a:srgbClr val="000000"/>
+                </a:solidFill>
+                <a:highlight>
+                  <a:srgbClr val="FFFFFF"/>
+                </a:highlight>
+              </a:rPr>
+              <a:t> let you tell others about changes you've pushed to a GitHub</a:t>
+            </a:r>
+            <a:r>
+              <a:rPr b="1" lang="en" sz="2500">
+                <a:solidFill>
+                  <a:srgbClr val="000000"/>
+                </a:solidFill>
+                <a:highlight>
+                  <a:srgbClr val="FFFFFF"/>
+                </a:highlight>
+              </a:rPr>
+              <a:t> </a:t>
+            </a:r>
+            <a:r>
+              <a:rPr lang="en" sz="2500">
+                <a:solidFill>
+                  <a:srgbClr val="000000"/>
+                </a:solidFill>
+                <a:highlight>
+                  <a:srgbClr val="FFFFFF"/>
+                </a:highlight>
+              </a:rPr>
+              <a:t>repository. </a:t>
+            </a:r>
+            <a:endParaRPr sz="2500">
+              <a:solidFill>
+                <a:srgbClr val="000000"/>
+              </a:solidFill>
+              <a:highlight>
+                <a:srgbClr val="FFFFFF"/>
+              </a:highlight>
+            </a:endParaRPr>
+          </a:p>
+          <a:p>
+            <a:pPr indent="0" lvl="0" marL="0" rtl="0" algn="l">
+              <a:spcBef>
+                <a:spcPts val="0"/>
+              </a:spcBef>
+              <a:spcAft>
+                <a:spcPts val="0"/>
+              </a:spcAft>
+              <a:buNone/>
+            </a:pPr>
+            <a:r>
+              <a:t/>
+            </a:r>
+            <a:endParaRPr sz="2500">
+              <a:solidFill>
+                <a:srgbClr val="000000"/>
+              </a:solidFill>
+              <a:highlight>
+                <a:srgbClr val="FFFFFF"/>
+              </a:highlight>
+            </a:endParaRPr>
+          </a:p>
+          <a:p>
+            <a:pPr indent="0" lvl="0" marL="0" rtl="0" algn="l">
+              <a:spcBef>
+                <a:spcPts val="0"/>
+              </a:spcBef>
+              <a:spcAft>
+                <a:spcPts val="0"/>
+              </a:spcAft>
+              <a:buNone/>
+            </a:pPr>
+            <a:r>
+              <a:rPr lang="en" sz="2500">
+                <a:solidFill>
+                  <a:srgbClr val="000000"/>
+                </a:solidFill>
+                <a:highlight>
+                  <a:srgbClr val="FFFFFF"/>
+                </a:highlight>
+              </a:rPr>
+              <a:t>Once a pull request is sent, others can review the set of changes, discuss modifications, and even push follow-up commits if necessary.</a:t>
+            </a:r>
+            <a:r>
+              <a:rPr lang="en" sz="2500">
+                <a:solidFill>
+                  <a:srgbClr val="000000"/>
+                </a:solidFill>
+              </a:rPr>
+              <a:t> </a:t>
+            </a:r>
+            <a:endParaRPr sz="2500">
+              <a:solidFill>
+                <a:srgbClr val="000000"/>
+              </a:solidFill>
+            </a:endParaRPr>
+          </a:p>
+          <a:p>
+            <a:pPr indent="0" lvl="0" marL="0" rtl="0" algn="l">
+              <a:spcBef>
+                <a:spcPts val="0"/>
+              </a:spcBef>
+              <a:spcAft>
+                <a:spcPts val="0"/>
+              </a:spcAft>
+              <a:buNone/>
+            </a:pPr>
+            <a:r>
+              <a:t/>
+            </a:r>
+            <a:endParaRPr sz="2500">
+              <a:solidFill>
+                <a:srgbClr val="000000"/>
+              </a:solidFill>
+            </a:endParaRPr>
+          </a:p>
+          <a:p>
+            <a:pPr indent="0" lvl="0" marL="0" rtl="0" algn="l">
+              <a:spcBef>
+                <a:spcPts val="0"/>
+              </a:spcBef>
+              <a:spcAft>
+                <a:spcPts val="0"/>
+              </a:spcAft>
+              <a:buNone/>
+            </a:pPr>
+            <a:r>
+              <a:rPr lang="en" sz="2500">
+                <a:solidFill>
+                  <a:srgbClr val="000000"/>
+                </a:solidFill>
+              </a:rPr>
+              <a:t>We can make a pull request on github.</a:t>
+            </a:r>
+            <a:endParaRPr sz="2500">
+              <a:solidFill>
+                <a:srgbClr val="000000"/>
+              </a:solidFill>
+            </a:endParaRPr>
           </a:p>
         </p:txBody>
       </p:sp>
@@ -9539,7 +10090,7 @@
   <p:cSld>
     <p:spTree>
       <p:nvGrpSpPr>
-        <p:cNvPr id="108" name="Shape 108"/>
+        <p:cNvPr id="110" name="Shape 110"/>
         <p:cNvGrpSpPr/>
         <p:nvPr/>
       </p:nvGrpSpPr>
@@ -9553,7 +10104,7 @@
       </p:grpSpPr>
       <p:sp>
         <p:nvSpPr>
-          <p:cNvPr id="109" name="Google Shape;109;p20"/>
+          <p:cNvPr id="111" name="Google Shape;111;p20"/>
           <p:cNvSpPr txBox="1"/>
           <p:nvPr>
             <p:ph type="ctrTitle"/>
@@ -9584,10 +10135,10 @@
               <a:buNone/>
             </a:pPr>
             <a:r>
-              <a:rPr lang="en" sz="4000"/>
-              <a:t>Go to *link will be given later*</a:t>
-            </a:r>
-            <a:endParaRPr sz="4000"/>
+              <a:rPr lang="en" u="sng"/>
+              <a:t>Instructions for test</a:t>
+            </a:r>
+            <a:endParaRPr u="sng"/>
           </a:p>
         </p:txBody>
       </p:sp>
@@ -9604,7 +10155,7 @@
   <p:cSld>
     <p:spTree>
       <p:nvGrpSpPr>
-        <p:cNvPr id="113" name="Shape 113"/>
+        <p:cNvPr id="115" name="Shape 115"/>
         <p:cNvGrpSpPr/>
         <p:nvPr/>
       </p:nvGrpSpPr>
@@ -9618,7 +10169,7 @@
       </p:grpSpPr>
       <p:sp>
         <p:nvSpPr>
-          <p:cNvPr id="114" name="Google Shape;114;p21"/>
+          <p:cNvPr id="116" name="Google Shape;116;p21"/>
           <p:cNvSpPr txBox="1"/>
           <p:nvPr>
             <p:ph type="ctrTitle"/>
@@ -9626,7 +10177,7 @@
         </p:nvSpPr>
         <p:spPr>
           <a:xfrm>
-            <a:off x="311708" y="1049375"/>
+            <a:off x="311708" y="744575"/>
             <a:ext cx="8520600" cy="2052600"/>
           </a:xfrm>
           <a:prstGeom prst="rect">
@@ -9650,29 +10201,9 @@
             </a:pPr>
             <a:r>
               <a:rPr lang="en" sz="4000"/>
-              <a:t>Clone the repository in your terminal.</a:t>
+              <a:t>Go to *link will be given later*</a:t>
             </a:r>
             <a:endParaRPr sz="4000"/>
-          </a:p>
-          <a:p>
-            <a:pPr indent="0" lvl="0" marL="0" rtl="0" algn="ctr">
-              <a:spcBef>
-                <a:spcPts val="0"/>
-              </a:spcBef>
-              <a:spcAft>
-                <a:spcPts val="0"/>
-              </a:spcAft>
-              <a:buNone/>
-            </a:pPr>
-            <a:r>
-              <a:rPr lang="en" sz="3000"/>
-              <a:t>g</a:t>
-            </a:r>
-            <a:r>
-              <a:rPr lang="en" sz="3000"/>
-              <a:t>it clone &lt;https link&gt; </a:t>
-            </a:r>
-            <a:endParaRPr sz="3000"/>
           </a:p>
         </p:txBody>
       </p:sp>
